--- a/ppts/JMS_SpringBoot.pptx
+++ b/ppts/JMS_SpringBoot.pptx
@@ -208,7 +208,7 @@
           <a:p>
             <a:fld id="{06E3B036-69AD-48B1-A887-646F5B9F94BE}" type="datetimeFigureOut">
               <a:rPr lang="en-IN" smtClean="0"/>
-              <a:t>24-09-2021</a:t>
+              <a:t>15-02-2022</a:t>
             </a:fld>
             <a:endParaRPr lang="en-IN"/>
           </a:p>
@@ -751,7 +751,7 @@
           <a:p>
             <a:fld id="{68B2433D-A712-4840-9CBD-9FD17BB9687A}" type="datetimeFigureOut">
               <a:rPr lang="en-IN" smtClean="0"/>
-              <a:t>24-09-2021</a:t>
+              <a:t>15-02-2022</a:t>
             </a:fld>
             <a:endParaRPr lang="en-IN"/>
           </a:p>
@@ -962,7 +962,7 @@
           <a:p>
             <a:fld id="{68B2433D-A712-4840-9CBD-9FD17BB9687A}" type="datetimeFigureOut">
               <a:rPr lang="en-IN" smtClean="0"/>
-              <a:t>24-09-2021</a:t>
+              <a:t>15-02-2022</a:t>
             </a:fld>
             <a:endParaRPr lang="en-IN"/>
           </a:p>
@@ -1177,7 +1177,7 @@
           <a:p>
             <a:fld id="{68B2433D-A712-4840-9CBD-9FD17BB9687A}" type="datetimeFigureOut">
               <a:rPr lang="en-IN" smtClean="0"/>
-              <a:t>24-09-2021</a:t>
+              <a:t>15-02-2022</a:t>
             </a:fld>
             <a:endParaRPr lang="en-IN"/>
           </a:p>
@@ -1378,7 +1378,7 @@
           <a:p>
             <a:fld id="{68B2433D-A712-4840-9CBD-9FD17BB9687A}" type="datetimeFigureOut">
               <a:rPr lang="en-IN" smtClean="0"/>
-              <a:t>24-09-2021</a:t>
+              <a:t>15-02-2022</a:t>
             </a:fld>
             <a:endParaRPr lang="en-IN"/>
           </a:p>
@@ -1657,7 +1657,7 @@
           <a:p>
             <a:fld id="{68B2433D-A712-4840-9CBD-9FD17BB9687A}" type="datetimeFigureOut">
               <a:rPr lang="en-IN" smtClean="0"/>
-              <a:t>24-09-2021</a:t>
+              <a:t>15-02-2022</a:t>
             </a:fld>
             <a:endParaRPr lang="en-IN"/>
           </a:p>
@@ -1925,7 +1925,7 @@
           <a:p>
             <a:fld id="{68B2433D-A712-4840-9CBD-9FD17BB9687A}" type="datetimeFigureOut">
               <a:rPr lang="en-IN" smtClean="0"/>
-              <a:t>24-09-2021</a:t>
+              <a:t>15-02-2022</a:t>
             </a:fld>
             <a:endParaRPr lang="en-IN"/>
           </a:p>
@@ -2341,7 +2341,7 @@
           <a:p>
             <a:fld id="{68B2433D-A712-4840-9CBD-9FD17BB9687A}" type="datetimeFigureOut">
               <a:rPr lang="en-IN" smtClean="0"/>
-              <a:t>24-09-2021</a:t>
+              <a:t>15-02-2022</a:t>
             </a:fld>
             <a:endParaRPr lang="en-IN"/>
           </a:p>
@@ -2490,7 +2490,7 @@
           <a:p>
             <a:fld id="{68B2433D-A712-4840-9CBD-9FD17BB9687A}" type="datetimeFigureOut">
               <a:rPr lang="en-IN" smtClean="0"/>
-              <a:t>24-09-2021</a:t>
+              <a:t>15-02-2022</a:t>
             </a:fld>
             <a:endParaRPr lang="en-IN"/>
           </a:p>
@@ -2616,7 +2616,7 @@
           <a:p>
             <a:fld id="{68B2433D-A712-4840-9CBD-9FD17BB9687A}" type="datetimeFigureOut">
               <a:rPr lang="en-IN" smtClean="0"/>
-              <a:t>24-09-2021</a:t>
+              <a:t>15-02-2022</a:t>
             </a:fld>
             <a:endParaRPr lang="en-IN"/>
           </a:p>
@@ -2867,7 +2867,7 @@
           <a:p>
             <a:fld id="{68B2433D-A712-4840-9CBD-9FD17BB9687A}" type="datetimeFigureOut">
               <a:rPr lang="en-IN" smtClean="0"/>
-              <a:t>24-09-2021</a:t>
+              <a:t>15-02-2022</a:t>
             </a:fld>
             <a:endParaRPr lang="en-IN"/>
           </a:p>
@@ -3312,7 +3312,7 @@
           <a:p>
             <a:fld id="{68B2433D-A712-4840-9CBD-9FD17BB9687A}" type="datetimeFigureOut">
               <a:rPr lang="en-IN" smtClean="0"/>
-              <a:t>24-09-2021</a:t>
+              <a:t>15-02-2022</a:t>
             </a:fld>
             <a:endParaRPr lang="en-IN"/>
           </a:p>
@@ -3639,7 +3639,7 @@
           <a:p>
             <a:fld id="{68B2433D-A712-4840-9CBD-9FD17BB9687A}" type="datetimeFigureOut">
               <a:rPr lang="en-IN" smtClean="0"/>
-              <a:t>24-09-2021</a:t>
+              <a:t>15-02-2022</a:t>
             </a:fld>
             <a:endParaRPr lang="en-IN"/>
           </a:p>
@@ -8742,6 +8742,58 @@
                 <a:latin typeface="Consolas" panose="020B0609020204030204" pitchFamily="49" charset="0"/>
               </a:rPr>
               <a:t>tcp://localhost:61616</a:t>
+            </a:r>
+            <a:endParaRPr lang="en-IN" dirty="0"/>
+          </a:p>
+        </p:txBody>
+      </p:sp>
+      <p:sp>
+        <p:nvSpPr>
+          <p:cNvPr id="3" name="TextBox 2">
+            <a:extLst>
+              <a:ext uri="{FF2B5EF4-FFF2-40B4-BE49-F238E27FC236}">
+                <a16:creationId xmlns:a16="http://schemas.microsoft.com/office/drawing/2014/main" id="{3D948F36-8371-4E31-AE6C-92DDFD14D840}"/>
+              </a:ext>
+            </a:extLst>
+          </p:cNvPr>
+          <p:cNvSpPr txBox="1"/>
+          <p:nvPr/>
+        </p:nvSpPr>
+        <p:spPr>
+          <a:xfrm>
+            <a:off x="6096000" y="4118322"/>
+            <a:ext cx="5061735" cy="369332"/>
+          </a:xfrm>
+          <a:prstGeom prst="rect">
+            <a:avLst/>
+          </a:prstGeom>
+          <a:noFill/>
+        </p:spPr>
+        <p:txBody>
+          <a:bodyPr wrap="square" rtlCol="0">
+            <a:spAutoFit/>
+          </a:bodyPr>
+          <a:lstStyle/>
+          <a:p>
+            <a:r>
+              <a:rPr lang="en-US" dirty="0"/>
+              <a:t>To start active </a:t>
+            </a:r>
+            <a:r>
+              <a:rPr lang="en-US" dirty="0" err="1"/>
+              <a:t>mq</a:t>
+            </a:r>
+            <a:r>
+              <a:rPr lang="en-US" dirty="0"/>
+              <a:t> server:  </a:t>
+            </a:r>
+            <a:r>
+              <a:rPr lang="en-US" dirty="0" err="1"/>
+              <a:t>activemq</a:t>
+            </a:r>
+            <a:r>
+              <a:rPr lang="en-US" dirty="0"/>
+              <a:t> start</a:t>
             </a:r>
             <a:endParaRPr lang="en-IN" dirty="0"/>
           </a:p>
